--- a/5.Web Uygulama İstismar Araçları/Metasploit.pptx
+++ b/5.Web Uygulama İstismar Araçları/Metasploit.pptx
@@ -3007,6 +3007,36 @@
           </a:p>
         </p:txBody>
       </p:sp>
+      <p:pic>
+        <p:nvPicPr>
+          <p:cNvPr id="4" name="Resim 3"/>
+          <p:cNvPicPr>
+            <a:picLocks noChangeAspect="1"/>
+          </p:cNvPicPr>
+          <p:nvPr/>
+        </p:nvPicPr>
+        <p:blipFill>
+          <a:blip r:embed="rId2">
+            <a:extLst>
+              <a:ext uri="{28A0092B-C50C-407E-A947-70E740481C1C}">
+                <a14:useLocalDpi xmlns:a14="http://schemas.microsoft.com/office/drawing/2010/main" val="0"/>
+              </a:ext>
+            </a:extLst>
+          </a:blip>
+          <a:stretch>
+            <a:fillRect/>
+          </a:stretch>
+        </p:blipFill>
+        <p:spPr>
+          <a:xfrm>
+            <a:off x="9900259" y="293266"/>
+            <a:ext cx="1761905" cy="523810"/>
+          </a:xfrm>
+          <a:prstGeom prst="rect">
+            <a:avLst/>
+          </a:prstGeom>
+        </p:spPr>
+      </p:pic>
     </p:spTree>
     <p:extLst>
       <p:ext uri="{BB962C8B-B14F-4D97-AF65-F5344CB8AC3E}">
@@ -3178,6 +3208,36 @@
           <a:xfrm>
             <a:off x="1918684" y="2292155"/>
             <a:ext cx="7654523" cy="1813313"/>
+          </a:xfrm>
+          <a:prstGeom prst="rect">
+            <a:avLst/>
+          </a:prstGeom>
+        </p:spPr>
+      </p:pic>
+      <p:pic>
+        <p:nvPicPr>
+          <p:cNvPr id="5" name="Resim 4"/>
+          <p:cNvPicPr>
+            <a:picLocks noChangeAspect="1"/>
+          </p:cNvPicPr>
+          <p:nvPr/>
+        </p:nvPicPr>
+        <p:blipFill>
+          <a:blip r:embed="rId3">
+            <a:extLst>
+              <a:ext uri="{28A0092B-C50C-407E-A947-70E740481C1C}">
+                <a14:useLocalDpi xmlns:a14="http://schemas.microsoft.com/office/drawing/2010/main" val="0"/>
+              </a:ext>
+            </a:extLst>
+          </a:blip>
+          <a:stretch>
+            <a:fillRect/>
+          </a:stretch>
+        </p:blipFill>
+        <p:spPr>
+          <a:xfrm>
+            <a:off x="9900259" y="293266"/>
+            <a:ext cx="1761905" cy="523810"/>
           </a:xfrm>
           <a:prstGeom prst="rect">
             <a:avLst/>
@@ -3362,6 +3422,36 @@
           </a:prstGeom>
         </p:spPr>
       </p:pic>
+      <p:pic>
+        <p:nvPicPr>
+          <p:cNvPr id="6" name="Resim 5"/>
+          <p:cNvPicPr>
+            <a:picLocks noChangeAspect="1"/>
+          </p:cNvPicPr>
+          <p:nvPr/>
+        </p:nvPicPr>
+        <p:blipFill>
+          <a:blip r:embed="rId3">
+            <a:extLst>
+              <a:ext uri="{28A0092B-C50C-407E-A947-70E740481C1C}">
+                <a14:useLocalDpi xmlns:a14="http://schemas.microsoft.com/office/drawing/2010/main" val="0"/>
+              </a:ext>
+            </a:extLst>
+          </a:blip>
+          <a:stretch>
+            <a:fillRect/>
+          </a:stretch>
+        </p:blipFill>
+        <p:spPr>
+          <a:xfrm>
+            <a:off x="9900259" y="293266"/>
+            <a:ext cx="1761905" cy="523810"/>
+          </a:xfrm>
+          <a:prstGeom prst="rect">
+            <a:avLst/>
+          </a:prstGeom>
+        </p:spPr>
+      </p:pic>
     </p:spTree>
     <p:extLst>
       <p:ext uri="{BB962C8B-B14F-4D97-AF65-F5344CB8AC3E}">
@@ -3565,6 +3655,36 @@
           <a:xfrm>
             <a:off x="5299788" y="3442996"/>
             <a:ext cx="6379650" cy="3078528"/>
+          </a:xfrm>
+          <a:prstGeom prst="rect">
+            <a:avLst/>
+          </a:prstGeom>
+        </p:spPr>
+      </p:pic>
+      <p:pic>
+        <p:nvPicPr>
+          <p:cNvPr id="8" name="Resim 7"/>
+          <p:cNvPicPr>
+            <a:picLocks noChangeAspect="1"/>
+          </p:cNvPicPr>
+          <p:nvPr/>
+        </p:nvPicPr>
+        <p:blipFill>
+          <a:blip r:embed="rId4">
+            <a:extLst>
+              <a:ext uri="{28A0092B-C50C-407E-A947-70E740481C1C}">
+                <a14:useLocalDpi xmlns:a14="http://schemas.microsoft.com/office/drawing/2010/main" val="0"/>
+              </a:ext>
+            </a:extLst>
+          </a:blip>
+          <a:stretch>
+            <a:fillRect/>
+          </a:stretch>
+        </p:blipFill>
+        <p:spPr>
+          <a:xfrm>
+            <a:off x="9900259" y="293266"/>
+            <a:ext cx="1761905" cy="523810"/>
           </a:xfrm>
           <a:prstGeom prst="rect">
             <a:avLst/>
@@ -4656,6 +4776,36 @@
           </a:prstGeom>
         </p:spPr>
       </p:pic>
+      <p:pic>
+        <p:nvPicPr>
+          <p:cNvPr id="5" name="Resim 4"/>
+          <p:cNvPicPr>
+            <a:picLocks noChangeAspect="1"/>
+          </p:cNvPicPr>
+          <p:nvPr/>
+        </p:nvPicPr>
+        <p:blipFill>
+          <a:blip r:embed="rId3">
+            <a:extLst>
+              <a:ext uri="{28A0092B-C50C-407E-A947-70E740481C1C}">
+                <a14:useLocalDpi xmlns:a14="http://schemas.microsoft.com/office/drawing/2010/main" val="0"/>
+              </a:ext>
+            </a:extLst>
+          </a:blip>
+          <a:stretch>
+            <a:fillRect/>
+          </a:stretch>
+        </p:blipFill>
+        <p:spPr>
+          <a:xfrm>
+            <a:off x="9900259" y="293266"/>
+            <a:ext cx="1761905" cy="523810"/>
+          </a:xfrm>
+          <a:prstGeom prst="rect">
+            <a:avLst/>
+          </a:prstGeom>
+        </p:spPr>
+      </p:pic>
     </p:spTree>
     <p:extLst>
       <p:ext uri="{BB962C8B-B14F-4D97-AF65-F5344CB8AC3E}">
@@ -4936,6 +5086,36 @@
           </a:p>
         </p:txBody>
       </p:sp>
+      <p:pic>
+        <p:nvPicPr>
+          <p:cNvPr id="4" name="Resim 3"/>
+          <p:cNvPicPr>
+            <a:picLocks noChangeAspect="1"/>
+          </p:cNvPicPr>
+          <p:nvPr/>
+        </p:nvPicPr>
+        <p:blipFill>
+          <a:blip r:embed="rId2">
+            <a:extLst>
+              <a:ext uri="{28A0092B-C50C-407E-A947-70E740481C1C}">
+                <a14:useLocalDpi xmlns:a14="http://schemas.microsoft.com/office/drawing/2010/main" val="0"/>
+              </a:ext>
+            </a:extLst>
+          </a:blip>
+          <a:stretch>
+            <a:fillRect/>
+          </a:stretch>
+        </p:blipFill>
+        <p:spPr>
+          <a:xfrm>
+            <a:off x="9900259" y="293266"/>
+            <a:ext cx="1761905" cy="523810"/>
+          </a:xfrm>
+          <a:prstGeom prst="rect">
+            <a:avLst/>
+          </a:prstGeom>
+        </p:spPr>
+      </p:pic>
     </p:spTree>
     <p:extLst>
       <p:ext uri="{BB962C8B-B14F-4D97-AF65-F5344CB8AC3E}">
@@ -5238,6 +5418,36 @@
           </a:p>
         </p:txBody>
       </p:sp>
+      <p:pic>
+        <p:nvPicPr>
+          <p:cNvPr id="4" name="Resim 3"/>
+          <p:cNvPicPr>
+            <a:picLocks noChangeAspect="1"/>
+          </p:cNvPicPr>
+          <p:nvPr/>
+        </p:nvPicPr>
+        <p:blipFill>
+          <a:blip r:embed="rId2">
+            <a:extLst>
+              <a:ext uri="{28A0092B-C50C-407E-A947-70E740481C1C}">
+                <a14:useLocalDpi xmlns:a14="http://schemas.microsoft.com/office/drawing/2010/main" val="0"/>
+              </a:ext>
+            </a:extLst>
+          </a:blip>
+          <a:stretch>
+            <a:fillRect/>
+          </a:stretch>
+        </p:blipFill>
+        <p:spPr>
+          <a:xfrm>
+            <a:off x="9900259" y="293266"/>
+            <a:ext cx="1761905" cy="523810"/>
+          </a:xfrm>
+          <a:prstGeom prst="rect">
+            <a:avLst/>
+          </a:prstGeom>
+        </p:spPr>
+      </p:pic>
     </p:spTree>
     <p:extLst>
       <p:ext uri="{BB962C8B-B14F-4D97-AF65-F5344CB8AC3E}">
@@ -5491,6 +5701,36 @@
           </a:p>
         </p:txBody>
       </p:sp>
+      <p:pic>
+        <p:nvPicPr>
+          <p:cNvPr id="4" name="Resim 3"/>
+          <p:cNvPicPr>
+            <a:picLocks noChangeAspect="1"/>
+          </p:cNvPicPr>
+          <p:nvPr/>
+        </p:nvPicPr>
+        <p:blipFill>
+          <a:blip r:embed="rId2">
+            <a:extLst>
+              <a:ext uri="{28A0092B-C50C-407E-A947-70E740481C1C}">
+                <a14:useLocalDpi xmlns:a14="http://schemas.microsoft.com/office/drawing/2010/main" val="0"/>
+              </a:ext>
+            </a:extLst>
+          </a:blip>
+          <a:stretch>
+            <a:fillRect/>
+          </a:stretch>
+        </p:blipFill>
+        <p:spPr>
+          <a:xfrm>
+            <a:off x="9900259" y="293266"/>
+            <a:ext cx="1761905" cy="523810"/>
+          </a:xfrm>
+          <a:prstGeom prst="rect">
+            <a:avLst/>
+          </a:prstGeom>
+        </p:spPr>
+      </p:pic>
     </p:spTree>
     <p:extLst>
       <p:ext uri="{BB962C8B-B14F-4D97-AF65-F5344CB8AC3E}">
@@ -5827,6 +6067,36 @@
           </a:p>
         </p:txBody>
       </p:sp>
+      <p:pic>
+        <p:nvPicPr>
+          <p:cNvPr id="4" name="Resim 3"/>
+          <p:cNvPicPr>
+            <a:picLocks noChangeAspect="1"/>
+          </p:cNvPicPr>
+          <p:nvPr/>
+        </p:nvPicPr>
+        <p:blipFill>
+          <a:blip r:embed="rId2">
+            <a:extLst>
+              <a:ext uri="{28A0092B-C50C-407E-A947-70E740481C1C}">
+                <a14:useLocalDpi xmlns:a14="http://schemas.microsoft.com/office/drawing/2010/main" val="0"/>
+              </a:ext>
+            </a:extLst>
+          </a:blip>
+          <a:stretch>
+            <a:fillRect/>
+          </a:stretch>
+        </p:blipFill>
+        <p:spPr>
+          <a:xfrm>
+            <a:off x="9900259" y="293266"/>
+            <a:ext cx="1761905" cy="523810"/>
+          </a:xfrm>
+          <a:prstGeom prst="rect">
+            <a:avLst/>
+          </a:prstGeom>
+        </p:spPr>
+      </p:pic>
     </p:spTree>
     <p:extLst>
       <p:ext uri="{BB962C8B-B14F-4D97-AF65-F5344CB8AC3E}">
@@ -5937,6 +6207,36 @@
           <a:xfrm>
             <a:off x="5552744" y="2556588"/>
             <a:ext cx="6121363" cy="3878473"/>
+          </a:xfrm>
+          <a:prstGeom prst="rect">
+            <a:avLst/>
+          </a:prstGeom>
+        </p:spPr>
+      </p:pic>
+      <p:pic>
+        <p:nvPicPr>
+          <p:cNvPr id="6" name="Resim 5"/>
+          <p:cNvPicPr>
+            <a:picLocks noChangeAspect="1"/>
+          </p:cNvPicPr>
+          <p:nvPr/>
+        </p:nvPicPr>
+        <p:blipFill>
+          <a:blip r:embed="rId4">
+            <a:extLst>
+              <a:ext uri="{28A0092B-C50C-407E-A947-70E740481C1C}">
+                <a14:useLocalDpi xmlns:a14="http://schemas.microsoft.com/office/drawing/2010/main" val="0"/>
+              </a:ext>
+            </a:extLst>
+          </a:blip>
+          <a:stretch>
+            <a:fillRect/>
+          </a:stretch>
+        </p:blipFill>
+        <p:spPr>
+          <a:xfrm>
+            <a:off x="9900259" y="293266"/>
+            <a:ext cx="1761905" cy="523810"/>
           </a:xfrm>
           <a:prstGeom prst="rect">
             <a:avLst/>
@@ -6119,6 +6419,36 @@
           </a:prstGeom>
         </p:spPr>
       </p:pic>
+      <p:pic>
+        <p:nvPicPr>
+          <p:cNvPr id="5" name="Resim 4"/>
+          <p:cNvPicPr>
+            <a:picLocks noChangeAspect="1"/>
+          </p:cNvPicPr>
+          <p:nvPr/>
+        </p:nvPicPr>
+        <p:blipFill>
+          <a:blip r:embed="rId3">
+            <a:extLst>
+              <a:ext uri="{28A0092B-C50C-407E-A947-70E740481C1C}">
+                <a14:useLocalDpi xmlns:a14="http://schemas.microsoft.com/office/drawing/2010/main" val="0"/>
+              </a:ext>
+            </a:extLst>
+          </a:blip>
+          <a:stretch>
+            <a:fillRect/>
+          </a:stretch>
+        </p:blipFill>
+        <p:spPr>
+          <a:xfrm>
+            <a:off x="9900259" y="293266"/>
+            <a:ext cx="1761905" cy="523810"/>
+          </a:xfrm>
+          <a:prstGeom prst="rect">
+            <a:avLst/>
+          </a:prstGeom>
+        </p:spPr>
+      </p:pic>
     </p:spTree>
     <p:extLst>
       <p:ext uri="{BB962C8B-B14F-4D97-AF65-F5344CB8AC3E}">
@@ -6342,6 +6672,36 @@
           <a:xfrm>
             <a:off x="1651050" y="4366728"/>
             <a:ext cx="6942443" cy="1989344"/>
+          </a:xfrm>
+          <a:prstGeom prst="rect">
+            <a:avLst/>
+          </a:prstGeom>
+        </p:spPr>
+      </p:pic>
+      <p:pic>
+        <p:nvPicPr>
+          <p:cNvPr id="6" name="Resim 5"/>
+          <p:cNvPicPr>
+            <a:picLocks noChangeAspect="1"/>
+          </p:cNvPicPr>
+          <p:nvPr/>
+        </p:nvPicPr>
+        <p:blipFill>
+          <a:blip r:embed="rId4">
+            <a:extLst>
+              <a:ext uri="{28A0092B-C50C-407E-A947-70E740481C1C}">
+                <a14:useLocalDpi xmlns:a14="http://schemas.microsoft.com/office/drawing/2010/main" val="0"/>
+              </a:ext>
+            </a:extLst>
+          </a:blip>
+          <a:stretch>
+            <a:fillRect/>
+          </a:stretch>
+        </p:blipFill>
+        <p:spPr>
+          <a:xfrm>
+            <a:off x="9900259" y="293266"/>
+            <a:ext cx="1761905" cy="523810"/>
           </a:xfrm>
           <a:prstGeom prst="rect">
             <a:avLst/>
